--- a/slides/w02.pptx
+++ b/slides/w02.pptx
@@ -226,7 +226,7 @@
           <a:p>
             <a:fld id="{05308C62-CC99-4BA4-9A92-32D4441CC2A2}" type="datetimeFigureOut">
               <a:rPr lang="de-DE" smtClean="0"/>
-              <a:t>02.05.2023</a:t>
+              <a:t>03.05.2023</a:t>
             </a:fld>
             <a:endParaRPr lang="de-DE"/>
           </a:p>
@@ -1943,7 +1943,7 @@
           <a:p>
             <a:fld id="{B4B518C5-2081-4569-8AC6-C3C335466D43}" type="datetimeFigureOut">
               <a:rPr lang="de-DE" smtClean="0"/>
-              <a:t>02.05.2023</a:t>
+              <a:t>03.05.2023</a:t>
             </a:fld>
             <a:endParaRPr lang="de-DE"/>
           </a:p>
@@ -10992,7 +10992,7 @@
               <a:rPr lang="de-DE" sz="1600" b="0" strike="noStrike" spc="-1">
                 <a:latin typeface="Arial"/>
               </a:rPr>
-              <a:t>02.05.2023</a:t>
+              <a:t>03.05.2023</a:t>
             </a:fld>
             <a:endParaRPr lang="de-DE" sz="1600" b="0" strike="noStrike" spc="-1" dirty="0">
               <a:latin typeface="Arial"/>
@@ -11441,8 +11441,8 @@
             <a:chExt cx="48240" cy="79560"/>
           </a:xfrm>
         </p:grpSpPr>
-        <mc:AlternateContent xmlns:mc="http://schemas.openxmlformats.org/markup-compatibility/2006">
-          <mc:Choice xmlns:p14="http://schemas.microsoft.com/office/powerpoint/2010/main" Requires="p14">
+        <mc:AlternateContent xmlns:mc="http://schemas.openxmlformats.org/markup-compatibility/2006" xmlns:p14="http://schemas.microsoft.com/office/powerpoint/2010/main">
+          <mc:Choice Requires="p14">
             <p:contentPart p14:bwMode="auto" r:id="rId4">
               <p14:nvContentPartPr>
                 <p14:cNvPr id="7" name="Freihand 6">
@@ -11461,7 +11461,7 @@
               </p14:xfrm>
             </p:contentPart>
           </mc:Choice>
-          <mc:Fallback>
+          <mc:Fallback xmlns="">
             <p:pic>
               <p:nvPicPr>
                 <p:cNvPr id="7" name="Freihand 6">
@@ -11492,8 +11492,8 @@
             </p:pic>
           </mc:Fallback>
         </mc:AlternateContent>
-        <mc:AlternateContent xmlns:mc="http://schemas.openxmlformats.org/markup-compatibility/2006">
-          <mc:Choice xmlns:p14="http://schemas.microsoft.com/office/powerpoint/2010/main" Requires="p14">
+        <mc:AlternateContent xmlns:mc="http://schemas.openxmlformats.org/markup-compatibility/2006" xmlns:p14="http://schemas.microsoft.com/office/powerpoint/2010/main">
+          <mc:Choice Requires="p14">
             <p:contentPart p14:bwMode="auto" r:id="rId6">
               <p14:nvContentPartPr>
                 <p14:cNvPr id="8" name="Freihand 7">
@@ -11512,7 +11512,7 @@
               </p14:xfrm>
             </p:contentPart>
           </mc:Choice>
-          <mc:Fallback>
+          <mc:Fallback xmlns="">
             <p:pic>
               <p:nvPicPr>
                 <p:cNvPr id="8" name="Freihand 7">
@@ -11544,8 +11544,8 @@
           </mc:Fallback>
         </mc:AlternateContent>
       </p:grpSp>
-      <mc:AlternateContent xmlns:mc="http://schemas.openxmlformats.org/markup-compatibility/2006">
-        <mc:Choice xmlns:p14="http://schemas.microsoft.com/office/powerpoint/2010/main" Requires="p14">
+      <mc:AlternateContent xmlns:mc="http://schemas.openxmlformats.org/markup-compatibility/2006" xmlns:p14="http://schemas.microsoft.com/office/powerpoint/2010/main">
+        <mc:Choice Requires="p14">
           <p:contentPart p14:bwMode="auto" r:id="rId8">
             <p14:nvContentPartPr>
               <p14:cNvPr id="12" name="Freihand 11">
@@ -11564,7 +11564,7 @@
             </p14:xfrm>
           </p:contentPart>
         </mc:Choice>
-        <mc:Fallback>
+        <mc:Fallback xmlns="">
           <p:pic>
             <p:nvPicPr>
               <p:cNvPr id="12" name="Freihand 11">
@@ -11595,8 +11595,8 @@
           </p:pic>
         </mc:Fallback>
       </mc:AlternateContent>
-      <mc:AlternateContent xmlns:mc="http://schemas.openxmlformats.org/markup-compatibility/2006">
-        <mc:Choice xmlns:p14="http://schemas.microsoft.com/office/powerpoint/2010/main" Requires="p14">
+      <mc:AlternateContent xmlns:mc="http://schemas.openxmlformats.org/markup-compatibility/2006" xmlns:p14="http://schemas.microsoft.com/office/powerpoint/2010/main">
+        <mc:Choice Requires="p14">
           <p:contentPart p14:bwMode="auto" r:id="rId10">
             <p14:nvContentPartPr>
               <p14:cNvPr id="13" name="Freihand 12">
@@ -11615,7 +11615,7 @@
             </p14:xfrm>
           </p:contentPart>
         </mc:Choice>
-        <mc:Fallback>
+        <mc:Fallback xmlns="">
           <p:pic>
             <p:nvPicPr>
               <p:cNvPr id="13" name="Freihand 12">
@@ -11666,8 +11666,8 @@
             <a:chExt cx="67320" cy="101520"/>
           </a:xfrm>
         </p:grpSpPr>
-        <mc:AlternateContent xmlns:mc="http://schemas.openxmlformats.org/markup-compatibility/2006">
-          <mc:Choice xmlns:p14="http://schemas.microsoft.com/office/powerpoint/2010/main" Requires="p14">
+        <mc:AlternateContent xmlns:mc="http://schemas.openxmlformats.org/markup-compatibility/2006" xmlns:p14="http://schemas.microsoft.com/office/powerpoint/2010/main">
+          <mc:Choice Requires="p14">
             <p:contentPart p14:bwMode="auto" r:id="rId12">
               <p14:nvContentPartPr>
                 <p14:cNvPr id="17" name="Freihand 16">
@@ -11686,7 +11686,7 @@
               </p14:xfrm>
             </p:contentPart>
           </mc:Choice>
-          <mc:Fallback>
+          <mc:Fallback xmlns="">
             <p:pic>
               <p:nvPicPr>
                 <p:cNvPr id="17" name="Freihand 16">
@@ -11717,8 +11717,8 @@
             </p:pic>
           </mc:Fallback>
         </mc:AlternateContent>
-        <mc:AlternateContent xmlns:mc="http://schemas.openxmlformats.org/markup-compatibility/2006">
-          <mc:Choice xmlns:p14="http://schemas.microsoft.com/office/powerpoint/2010/main" Requires="p14">
+        <mc:AlternateContent xmlns:mc="http://schemas.openxmlformats.org/markup-compatibility/2006" xmlns:p14="http://schemas.microsoft.com/office/powerpoint/2010/main">
+          <mc:Choice Requires="p14">
             <p:contentPart p14:bwMode="auto" r:id="rId14">
               <p14:nvContentPartPr>
                 <p14:cNvPr id="18" name="Freihand 17">
@@ -11737,7 +11737,7 @@
               </p14:xfrm>
             </p:contentPart>
           </mc:Choice>
-          <mc:Fallback>
+          <mc:Fallback xmlns="">
             <p:pic>
               <p:nvPicPr>
                 <p:cNvPr id="18" name="Freihand 17">
@@ -11769,8 +11769,8 @@
           </mc:Fallback>
         </mc:AlternateContent>
       </p:grpSp>
-      <mc:AlternateContent xmlns:mc="http://schemas.openxmlformats.org/markup-compatibility/2006">
-        <mc:Choice xmlns:p14="http://schemas.microsoft.com/office/powerpoint/2010/main" Requires="p14">
+      <mc:AlternateContent xmlns:mc="http://schemas.openxmlformats.org/markup-compatibility/2006" xmlns:p14="http://schemas.microsoft.com/office/powerpoint/2010/main">
+        <mc:Choice Requires="p14">
           <p:contentPart p14:bwMode="auto" r:id="rId16">
             <p14:nvContentPartPr>
               <p14:cNvPr id="20" name="Freihand 19">
@@ -11789,7 +11789,7 @@
             </p14:xfrm>
           </p:contentPart>
         </mc:Choice>
-        <mc:Fallback>
+        <mc:Fallback xmlns="">
           <p:pic>
             <p:nvPicPr>
               <p:cNvPr id="20" name="Freihand 19">
@@ -11840,8 +11840,8 @@
             <a:chExt cx="74880" cy="109800"/>
           </a:xfrm>
         </p:grpSpPr>
-        <mc:AlternateContent xmlns:mc="http://schemas.openxmlformats.org/markup-compatibility/2006">
-          <mc:Choice xmlns:p14="http://schemas.microsoft.com/office/powerpoint/2010/main" Requires="p14">
+        <mc:AlternateContent xmlns:mc="http://schemas.openxmlformats.org/markup-compatibility/2006" xmlns:p14="http://schemas.microsoft.com/office/powerpoint/2010/main">
+          <mc:Choice Requires="p14">
             <p:contentPart p14:bwMode="auto" r:id="rId18">
               <p14:nvContentPartPr>
                 <p14:cNvPr id="21" name="Freihand 20">
@@ -11860,7 +11860,7 @@
               </p14:xfrm>
             </p:contentPart>
           </mc:Choice>
-          <mc:Fallback>
+          <mc:Fallback xmlns="">
             <p:pic>
               <p:nvPicPr>
                 <p:cNvPr id="21" name="Freihand 20">
@@ -11891,8 +11891,8 @@
             </p:pic>
           </mc:Fallback>
         </mc:AlternateContent>
-        <mc:AlternateContent xmlns:mc="http://schemas.openxmlformats.org/markup-compatibility/2006">
-          <mc:Choice xmlns:p14="http://schemas.microsoft.com/office/powerpoint/2010/main" Requires="p14">
+        <mc:AlternateContent xmlns:mc="http://schemas.openxmlformats.org/markup-compatibility/2006" xmlns:p14="http://schemas.microsoft.com/office/powerpoint/2010/main">
+          <mc:Choice Requires="p14">
             <p:contentPart p14:bwMode="auto" r:id="rId20">
               <p14:nvContentPartPr>
                 <p14:cNvPr id="22" name="Freihand 21">
@@ -11911,7 +11911,7 @@
               </p14:xfrm>
             </p:contentPart>
           </mc:Choice>
-          <mc:Fallback>
+          <mc:Fallback xmlns="">
             <p:pic>
               <p:nvPicPr>
                 <p:cNvPr id="22" name="Freihand 21">
@@ -11942,8 +11942,8 @@
             </p:pic>
           </mc:Fallback>
         </mc:AlternateContent>
-        <mc:AlternateContent xmlns:mc="http://schemas.openxmlformats.org/markup-compatibility/2006">
-          <mc:Choice xmlns:p14="http://schemas.microsoft.com/office/powerpoint/2010/main" Requires="p14">
+        <mc:AlternateContent xmlns:mc="http://schemas.openxmlformats.org/markup-compatibility/2006" xmlns:p14="http://schemas.microsoft.com/office/powerpoint/2010/main">
+          <mc:Choice Requires="p14">
             <p:contentPart p14:bwMode="auto" r:id="rId22">
               <p14:nvContentPartPr>
                 <p14:cNvPr id="23" name="Freihand 22">
@@ -11962,7 +11962,7 @@
               </p14:xfrm>
             </p:contentPart>
           </mc:Choice>
-          <mc:Fallback>
+          <mc:Fallback xmlns="">
             <p:pic>
               <p:nvPicPr>
                 <p:cNvPr id="23" name="Freihand 22">
@@ -11994,8 +11994,8 @@
           </mc:Fallback>
         </mc:AlternateContent>
       </p:grpSp>
-      <mc:AlternateContent xmlns:mc="http://schemas.openxmlformats.org/markup-compatibility/2006">
-        <mc:Choice xmlns:p14="http://schemas.microsoft.com/office/powerpoint/2010/main" Requires="p14">
+      <mc:AlternateContent xmlns:mc="http://schemas.openxmlformats.org/markup-compatibility/2006" xmlns:p14="http://schemas.microsoft.com/office/powerpoint/2010/main">
+        <mc:Choice Requires="p14">
           <p:contentPart p14:bwMode="auto" r:id="rId24">
             <p14:nvContentPartPr>
               <p14:cNvPr id="25" name="Freihand 24">
@@ -12014,7 +12014,7 @@
             </p14:xfrm>
           </p:contentPart>
         </mc:Choice>
-        <mc:Fallback>
+        <mc:Fallback xmlns="">
           <p:pic>
             <p:nvPicPr>
               <p:cNvPr id="25" name="Freihand 24">
@@ -12065,8 +12065,8 @@
             <a:chExt cx="62640" cy="141480"/>
           </a:xfrm>
         </p:grpSpPr>
-        <mc:AlternateContent xmlns:mc="http://schemas.openxmlformats.org/markup-compatibility/2006">
-          <mc:Choice xmlns:p14="http://schemas.microsoft.com/office/powerpoint/2010/main" Requires="p14">
+        <mc:AlternateContent xmlns:mc="http://schemas.openxmlformats.org/markup-compatibility/2006" xmlns:p14="http://schemas.microsoft.com/office/powerpoint/2010/main">
+          <mc:Choice Requires="p14">
             <p:contentPart p14:bwMode="auto" r:id="rId26">
               <p14:nvContentPartPr>
                 <p14:cNvPr id="26" name="Freihand 25">
@@ -12085,7 +12085,7 @@
               </p14:xfrm>
             </p:contentPart>
           </mc:Choice>
-          <mc:Fallback>
+          <mc:Fallback xmlns="">
             <p:pic>
               <p:nvPicPr>
                 <p:cNvPr id="26" name="Freihand 25">
@@ -12116,8 +12116,8 @@
             </p:pic>
           </mc:Fallback>
         </mc:AlternateContent>
-        <mc:AlternateContent xmlns:mc="http://schemas.openxmlformats.org/markup-compatibility/2006">
-          <mc:Choice xmlns:p14="http://schemas.microsoft.com/office/powerpoint/2010/main" Requires="p14">
+        <mc:AlternateContent xmlns:mc="http://schemas.openxmlformats.org/markup-compatibility/2006" xmlns:p14="http://schemas.microsoft.com/office/powerpoint/2010/main">
+          <mc:Choice Requires="p14">
             <p:contentPart p14:bwMode="auto" r:id="rId28">
               <p14:nvContentPartPr>
                 <p14:cNvPr id="27" name="Freihand 26">
@@ -12136,7 +12136,7 @@
               </p14:xfrm>
             </p:contentPart>
           </mc:Choice>
-          <mc:Fallback>
+          <mc:Fallback xmlns="">
             <p:pic>
               <p:nvPicPr>
                 <p:cNvPr id="27" name="Freihand 26">
@@ -12167,8 +12167,8 @@
             </p:pic>
           </mc:Fallback>
         </mc:AlternateContent>
-        <mc:AlternateContent xmlns:mc="http://schemas.openxmlformats.org/markup-compatibility/2006">
-          <mc:Choice xmlns:p14="http://schemas.microsoft.com/office/powerpoint/2010/main" Requires="p14">
+        <mc:AlternateContent xmlns:mc="http://schemas.openxmlformats.org/markup-compatibility/2006" xmlns:p14="http://schemas.microsoft.com/office/powerpoint/2010/main">
+          <mc:Choice Requires="p14">
             <p:contentPart p14:bwMode="auto" r:id="rId30">
               <p14:nvContentPartPr>
                 <p14:cNvPr id="29" name="Freihand 28">
@@ -12187,7 +12187,7 @@
               </p14:xfrm>
             </p:contentPart>
           </mc:Choice>
-          <mc:Fallback>
+          <mc:Fallback xmlns="">
             <p:pic>
               <p:nvPicPr>
                 <p:cNvPr id="29" name="Freihand 28">
@@ -12239,8 +12239,8 @@
             <a:chExt cx="86760" cy="136440"/>
           </a:xfrm>
         </p:grpSpPr>
-        <mc:AlternateContent xmlns:mc="http://schemas.openxmlformats.org/markup-compatibility/2006">
-          <mc:Choice xmlns:p14="http://schemas.microsoft.com/office/powerpoint/2010/main" Requires="p14">
+        <mc:AlternateContent xmlns:mc="http://schemas.openxmlformats.org/markup-compatibility/2006" xmlns:p14="http://schemas.microsoft.com/office/powerpoint/2010/main">
+          <mc:Choice Requires="p14">
             <p:contentPart p14:bwMode="auto" r:id="rId32">
               <p14:nvContentPartPr>
                 <p14:cNvPr id="289" name="Freihand 288">
@@ -12259,7 +12259,7 @@
               </p14:xfrm>
             </p:contentPart>
           </mc:Choice>
-          <mc:Fallback>
+          <mc:Fallback xmlns="">
             <p:pic>
               <p:nvPicPr>
                 <p:cNvPr id="289" name="Freihand 288">
@@ -12290,8 +12290,8 @@
             </p:pic>
           </mc:Fallback>
         </mc:AlternateContent>
-        <mc:AlternateContent xmlns:mc="http://schemas.openxmlformats.org/markup-compatibility/2006">
-          <mc:Choice xmlns:p14="http://schemas.microsoft.com/office/powerpoint/2010/main" Requires="p14">
+        <mc:AlternateContent xmlns:mc="http://schemas.openxmlformats.org/markup-compatibility/2006" xmlns:p14="http://schemas.microsoft.com/office/powerpoint/2010/main">
+          <mc:Choice Requires="p14">
             <p:contentPart p14:bwMode="auto" r:id="rId34">
               <p14:nvContentPartPr>
                 <p14:cNvPr id="290" name="Freihand 289">
@@ -12310,7 +12310,7 @@
               </p14:xfrm>
             </p:contentPart>
           </mc:Choice>
-          <mc:Fallback>
+          <mc:Fallback xmlns="">
             <p:pic>
               <p:nvPicPr>
                 <p:cNvPr id="290" name="Freihand 289">
@@ -12342,8 +12342,8 @@
           </mc:Fallback>
         </mc:AlternateContent>
       </p:grpSp>
-      <mc:AlternateContent xmlns:mc="http://schemas.openxmlformats.org/markup-compatibility/2006">
-        <mc:Choice xmlns:p14="http://schemas.microsoft.com/office/powerpoint/2010/main" Requires="p14">
+      <mc:AlternateContent xmlns:mc="http://schemas.openxmlformats.org/markup-compatibility/2006" xmlns:p14="http://schemas.microsoft.com/office/powerpoint/2010/main">
+        <mc:Choice Requires="p14">
           <p:contentPart p14:bwMode="auto" r:id="rId36">
             <p14:nvContentPartPr>
               <p14:cNvPr id="291" name="Freihand 290">
@@ -12362,7 +12362,7 @@
             </p14:xfrm>
           </p:contentPart>
         </mc:Choice>
-        <mc:Fallback>
+        <mc:Fallback xmlns="">
           <p:pic>
             <p:nvPicPr>
               <p:cNvPr id="291" name="Freihand 290">
@@ -12413,8 +12413,8 @@
             <a:chExt cx="60120" cy="123120"/>
           </a:xfrm>
         </p:grpSpPr>
-        <mc:AlternateContent xmlns:mc="http://schemas.openxmlformats.org/markup-compatibility/2006">
-          <mc:Choice xmlns:p14="http://schemas.microsoft.com/office/powerpoint/2010/main" Requires="p14">
+        <mc:AlternateContent xmlns:mc="http://schemas.openxmlformats.org/markup-compatibility/2006" xmlns:p14="http://schemas.microsoft.com/office/powerpoint/2010/main">
+          <mc:Choice Requires="p14">
             <p:contentPart p14:bwMode="auto" r:id="rId38">
               <p14:nvContentPartPr>
                 <p14:cNvPr id="293" name="Freihand 292">
@@ -12433,7 +12433,7 @@
               </p14:xfrm>
             </p:contentPart>
           </mc:Choice>
-          <mc:Fallback>
+          <mc:Fallback xmlns="">
             <p:pic>
               <p:nvPicPr>
                 <p:cNvPr id="293" name="Freihand 292">
@@ -12464,8 +12464,8 @@
             </p:pic>
           </mc:Fallback>
         </mc:AlternateContent>
-        <mc:AlternateContent xmlns:mc="http://schemas.openxmlformats.org/markup-compatibility/2006">
-          <mc:Choice xmlns:p14="http://schemas.microsoft.com/office/powerpoint/2010/main" Requires="p14">
+        <mc:AlternateContent xmlns:mc="http://schemas.openxmlformats.org/markup-compatibility/2006" xmlns:p14="http://schemas.microsoft.com/office/powerpoint/2010/main">
+          <mc:Choice Requires="p14">
             <p:contentPart p14:bwMode="auto" r:id="rId40">
               <p14:nvContentPartPr>
                 <p14:cNvPr id="294" name="Freihand 293">
@@ -12484,7 +12484,7 @@
               </p14:xfrm>
             </p:contentPart>
           </mc:Choice>
-          <mc:Fallback>
+          <mc:Fallback xmlns="">
             <p:pic>
               <p:nvPicPr>
                 <p:cNvPr id="294" name="Freihand 293">
@@ -12516,8 +12516,8 @@
           </mc:Fallback>
         </mc:AlternateContent>
       </p:grpSp>
-      <mc:AlternateContent xmlns:mc="http://schemas.openxmlformats.org/markup-compatibility/2006">
-        <mc:Choice xmlns:p14="http://schemas.microsoft.com/office/powerpoint/2010/main" Requires="p14">
+      <mc:AlternateContent xmlns:mc="http://schemas.openxmlformats.org/markup-compatibility/2006" xmlns:p14="http://schemas.microsoft.com/office/powerpoint/2010/main">
+        <mc:Choice Requires="p14">
           <p:contentPart p14:bwMode="auto" r:id="rId42">
             <p14:nvContentPartPr>
               <p14:cNvPr id="296" name="Freihand 295">
@@ -12536,7 +12536,7 @@
             </p14:xfrm>
           </p:contentPart>
         </mc:Choice>
-        <mc:Fallback>
+        <mc:Fallback xmlns="">
           <p:pic>
             <p:nvPicPr>
               <p:cNvPr id="296" name="Freihand 295">
@@ -12567,8 +12567,8 @@
           </p:pic>
         </mc:Fallback>
       </mc:AlternateContent>
-      <mc:AlternateContent xmlns:mc="http://schemas.openxmlformats.org/markup-compatibility/2006">
-        <mc:Choice xmlns:p14="http://schemas.microsoft.com/office/powerpoint/2010/main" Requires="p14">
+      <mc:AlternateContent xmlns:mc="http://schemas.openxmlformats.org/markup-compatibility/2006" xmlns:p14="http://schemas.microsoft.com/office/powerpoint/2010/main">
+        <mc:Choice Requires="p14">
           <p:contentPart p14:bwMode="auto" r:id="rId44">
             <p14:nvContentPartPr>
               <p14:cNvPr id="297" name="Freihand 296">
@@ -12587,7 +12587,7 @@
             </p14:xfrm>
           </p:contentPart>
         </mc:Choice>
-        <mc:Fallback>
+        <mc:Fallback xmlns="">
           <p:pic>
             <p:nvPicPr>
               <p:cNvPr id="297" name="Freihand 296">
@@ -12638,8 +12638,8 @@
             <a:chExt cx="150840" cy="97560"/>
           </a:xfrm>
         </p:grpSpPr>
-        <mc:AlternateContent xmlns:mc="http://schemas.openxmlformats.org/markup-compatibility/2006">
-          <mc:Choice xmlns:p14="http://schemas.microsoft.com/office/powerpoint/2010/main" Requires="p14">
+        <mc:AlternateContent xmlns:mc="http://schemas.openxmlformats.org/markup-compatibility/2006" xmlns:p14="http://schemas.microsoft.com/office/powerpoint/2010/main">
+          <mc:Choice Requires="p14">
             <p:contentPart p14:bwMode="auto" r:id="rId46">
               <p14:nvContentPartPr>
                 <p14:cNvPr id="298" name="Freihand 297">
@@ -12658,7 +12658,7 @@
               </p14:xfrm>
             </p:contentPart>
           </mc:Choice>
-          <mc:Fallback>
+          <mc:Fallback xmlns="">
             <p:pic>
               <p:nvPicPr>
                 <p:cNvPr id="298" name="Freihand 297">
@@ -12689,8 +12689,8 @@
             </p:pic>
           </mc:Fallback>
         </mc:AlternateContent>
-        <mc:AlternateContent xmlns:mc="http://schemas.openxmlformats.org/markup-compatibility/2006">
-          <mc:Choice xmlns:p14="http://schemas.microsoft.com/office/powerpoint/2010/main" Requires="p14">
+        <mc:AlternateContent xmlns:mc="http://schemas.openxmlformats.org/markup-compatibility/2006" xmlns:p14="http://schemas.microsoft.com/office/powerpoint/2010/main">
+          <mc:Choice Requires="p14">
             <p:contentPart p14:bwMode="auto" r:id="rId48">
               <p14:nvContentPartPr>
                 <p14:cNvPr id="299" name="Freihand 298">
@@ -12709,7 +12709,7 @@
               </p14:xfrm>
             </p:contentPart>
           </mc:Choice>
-          <mc:Fallback>
+          <mc:Fallback xmlns="">
             <p:pic>
               <p:nvPicPr>
                 <p:cNvPr id="299" name="Freihand 298">
@@ -12741,8 +12741,8 @@
           </mc:Fallback>
         </mc:AlternateContent>
       </p:grpSp>
-      <mc:AlternateContent xmlns:mc="http://schemas.openxmlformats.org/markup-compatibility/2006">
-        <mc:Choice xmlns:p14="http://schemas.microsoft.com/office/powerpoint/2010/main" Requires="p14">
+      <mc:AlternateContent xmlns:mc="http://schemas.openxmlformats.org/markup-compatibility/2006" xmlns:p14="http://schemas.microsoft.com/office/powerpoint/2010/main">
+        <mc:Choice Requires="p14">
           <p:contentPart p14:bwMode="auto" r:id="rId50">
             <p14:nvContentPartPr>
               <p14:cNvPr id="300" name="Freihand 299">
@@ -12761,7 +12761,7 @@
             </p14:xfrm>
           </p:contentPart>
         </mc:Choice>
-        <mc:Fallback>
+        <mc:Fallback xmlns="">
           <p:pic>
             <p:nvPicPr>
               <p:cNvPr id="300" name="Freihand 299">
@@ -13800,7 +13800,7 @@
         </p:nvSpPr>
         <p:spPr>
           <a:xfrm>
-            <a:off x="324494" y="1207707"/>
+            <a:off x="180000" y="1201604"/>
             <a:ext cx="1749197" cy="369332"/>
           </a:xfrm>
           <a:prstGeom prst="rect">
@@ -13843,7 +13843,7 @@
         </p:nvSpPr>
         <p:spPr>
           <a:xfrm>
-            <a:off x="3934192" y="1243853"/>
+            <a:off x="3492147" y="1201604"/>
             <a:ext cx="1659429" cy="369332"/>
           </a:xfrm>
           <a:prstGeom prst="rect">
@@ -13884,13 +13884,13 @@
         </p:nvPicPr>
         <p:blipFill rotWithShape="1">
           <a:blip r:embed="rId2"/>
-          <a:srcRect t="6061"/>
+          <a:srcRect l="9500" t="6061" r="8532"/>
           <a:stretch/>
         </p:blipFill>
         <p:spPr>
           <a:xfrm>
-            <a:off x="2037524" y="1311577"/>
-            <a:ext cx="1932835" cy="3346625"/>
+            <a:off x="1907853" y="1305473"/>
+            <a:ext cx="1584294" cy="3346625"/>
           </a:xfrm>
           <a:prstGeom prst="rect">
             <a:avLst/>
@@ -13899,10 +13899,10 @@
       </p:pic>
       <p:pic>
         <p:nvPicPr>
-          <p:cNvPr id="7" name="Grafik 6">
+          <p:cNvPr id="8" name="Grafik 7">
             <a:extLst>
               <a:ext uri="{FF2B5EF4-FFF2-40B4-BE49-F238E27FC236}">
-                <a16:creationId xmlns:a16="http://schemas.microsoft.com/office/drawing/2014/main" id="{88FA6A1E-D99F-AE25-53A6-84E55DCAC353}"/>
+                <a16:creationId xmlns:a16="http://schemas.microsoft.com/office/drawing/2014/main" id="{0F36FFDE-20E3-1645-719F-146631E7432A}"/>
               </a:ext>
             </a:extLst>
           </p:cNvPr>
@@ -13913,13 +13913,13 @@
         </p:nvPicPr>
         <p:blipFill rotWithShape="1">
           <a:blip r:embed="rId2"/>
-          <a:srcRect t="6061"/>
+          <a:srcRect l="9500" t="6061" r="8532"/>
           <a:stretch/>
         </p:blipFill>
         <p:spPr>
           <a:xfrm>
-            <a:off x="5593621" y="1311577"/>
-            <a:ext cx="1932835" cy="3346625"/>
+            <a:off x="5055097" y="1305473"/>
+            <a:ext cx="1584294" cy="3346625"/>
           </a:xfrm>
           <a:prstGeom prst="rect">
             <a:avLst/>
@@ -14579,8 +14579,8 @@
             <a:chExt cx="48240" cy="79560"/>
           </a:xfrm>
         </p:grpSpPr>
-        <mc:AlternateContent xmlns:mc="http://schemas.openxmlformats.org/markup-compatibility/2006">
-          <mc:Choice xmlns:p14="http://schemas.microsoft.com/office/powerpoint/2010/main" Requires="p14">
+        <mc:AlternateContent xmlns:mc="http://schemas.openxmlformats.org/markup-compatibility/2006" xmlns:p14="http://schemas.microsoft.com/office/powerpoint/2010/main">
+          <mc:Choice Requires="p14">
             <p:contentPart p14:bwMode="auto" r:id="rId5">
               <p14:nvContentPartPr>
                 <p14:cNvPr id="122" name="Freihand 121">
@@ -14599,7 +14599,7 @@
               </p14:xfrm>
             </p:contentPart>
           </mc:Choice>
-          <mc:Fallback>
+          <mc:Fallback xmlns="">
             <p:pic>
               <p:nvPicPr>
                 <p:cNvPr id="122" name="Freihand 121">
@@ -14630,8 +14630,8 @@
             </p:pic>
           </mc:Fallback>
         </mc:AlternateContent>
-        <mc:AlternateContent xmlns:mc="http://schemas.openxmlformats.org/markup-compatibility/2006">
-          <mc:Choice xmlns:p14="http://schemas.microsoft.com/office/powerpoint/2010/main" Requires="p14">
+        <mc:AlternateContent xmlns:mc="http://schemas.openxmlformats.org/markup-compatibility/2006" xmlns:p14="http://schemas.microsoft.com/office/powerpoint/2010/main">
+          <mc:Choice Requires="p14">
             <p:contentPart p14:bwMode="auto" r:id="rId7">
               <p14:nvContentPartPr>
                 <p14:cNvPr id="123" name="Freihand 122">
@@ -14650,7 +14650,7 @@
               </p14:xfrm>
             </p:contentPart>
           </mc:Choice>
-          <mc:Fallback>
+          <mc:Fallback xmlns="">
             <p:pic>
               <p:nvPicPr>
                 <p:cNvPr id="123" name="Freihand 122">
@@ -14682,8 +14682,8 @@
           </mc:Fallback>
         </mc:AlternateContent>
       </p:grpSp>
-      <mc:AlternateContent xmlns:mc="http://schemas.openxmlformats.org/markup-compatibility/2006">
-        <mc:Choice xmlns:p14="http://schemas.microsoft.com/office/powerpoint/2010/main" Requires="p14">
+      <mc:AlternateContent xmlns:mc="http://schemas.openxmlformats.org/markup-compatibility/2006" xmlns:p14="http://schemas.microsoft.com/office/powerpoint/2010/main">
+        <mc:Choice Requires="p14">
           <p:contentPart p14:bwMode="auto" r:id="rId9">
             <p14:nvContentPartPr>
               <p14:cNvPr id="124" name="Freihand 123">
@@ -14702,7 +14702,7 @@
             </p14:xfrm>
           </p:contentPart>
         </mc:Choice>
-        <mc:Fallback>
+        <mc:Fallback xmlns="">
           <p:pic>
             <p:nvPicPr>
               <p:cNvPr id="124" name="Freihand 123">
@@ -14733,8 +14733,8 @@
           </p:pic>
         </mc:Fallback>
       </mc:AlternateContent>
-      <mc:AlternateContent xmlns:mc="http://schemas.openxmlformats.org/markup-compatibility/2006">
-        <mc:Choice xmlns:p14="http://schemas.microsoft.com/office/powerpoint/2010/main" Requires="p14">
+      <mc:AlternateContent xmlns:mc="http://schemas.openxmlformats.org/markup-compatibility/2006" xmlns:p14="http://schemas.microsoft.com/office/powerpoint/2010/main">
+        <mc:Choice Requires="p14">
           <p:contentPart p14:bwMode="auto" r:id="rId11">
             <p14:nvContentPartPr>
               <p14:cNvPr id="125" name="Freihand 124">
@@ -14753,7 +14753,7 @@
             </p14:xfrm>
           </p:contentPart>
         </mc:Choice>
-        <mc:Fallback>
+        <mc:Fallback xmlns="">
           <p:pic>
             <p:nvPicPr>
               <p:cNvPr id="125" name="Freihand 124">
@@ -14804,8 +14804,8 @@
             <a:chExt cx="67320" cy="101520"/>
           </a:xfrm>
         </p:grpSpPr>
-        <mc:AlternateContent xmlns:mc="http://schemas.openxmlformats.org/markup-compatibility/2006">
-          <mc:Choice xmlns:p14="http://schemas.microsoft.com/office/powerpoint/2010/main" Requires="p14">
+        <mc:AlternateContent xmlns:mc="http://schemas.openxmlformats.org/markup-compatibility/2006" xmlns:p14="http://schemas.microsoft.com/office/powerpoint/2010/main">
+          <mc:Choice Requires="p14">
             <p:contentPart p14:bwMode="auto" r:id="rId13">
               <p14:nvContentPartPr>
                 <p14:cNvPr id="127" name="Freihand 126">
@@ -14824,7 +14824,7 @@
               </p14:xfrm>
             </p:contentPart>
           </mc:Choice>
-          <mc:Fallback>
+          <mc:Fallback xmlns="">
             <p:pic>
               <p:nvPicPr>
                 <p:cNvPr id="127" name="Freihand 126">
@@ -14855,8 +14855,8 @@
             </p:pic>
           </mc:Fallback>
         </mc:AlternateContent>
-        <mc:AlternateContent xmlns:mc="http://schemas.openxmlformats.org/markup-compatibility/2006">
-          <mc:Choice xmlns:p14="http://schemas.microsoft.com/office/powerpoint/2010/main" Requires="p14">
+        <mc:AlternateContent xmlns:mc="http://schemas.openxmlformats.org/markup-compatibility/2006" xmlns:p14="http://schemas.microsoft.com/office/powerpoint/2010/main">
+          <mc:Choice Requires="p14">
             <p:contentPart p14:bwMode="auto" r:id="rId15">
               <p14:nvContentPartPr>
                 <p14:cNvPr id="128" name="Freihand 127">
@@ -14875,7 +14875,7 @@
               </p14:xfrm>
             </p:contentPart>
           </mc:Choice>
-          <mc:Fallback>
+          <mc:Fallback xmlns="">
             <p:pic>
               <p:nvPicPr>
                 <p:cNvPr id="128" name="Freihand 127">
@@ -14907,8 +14907,8 @@
           </mc:Fallback>
         </mc:AlternateContent>
       </p:grpSp>
-      <mc:AlternateContent xmlns:mc="http://schemas.openxmlformats.org/markup-compatibility/2006">
-        <mc:Choice xmlns:p14="http://schemas.microsoft.com/office/powerpoint/2010/main" Requires="p14">
+      <mc:AlternateContent xmlns:mc="http://schemas.openxmlformats.org/markup-compatibility/2006" xmlns:p14="http://schemas.microsoft.com/office/powerpoint/2010/main">
+        <mc:Choice Requires="p14">
           <p:contentPart p14:bwMode="auto" r:id="rId17">
             <p14:nvContentPartPr>
               <p14:cNvPr id="129" name="Freihand 128">
@@ -14927,7 +14927,7 @@
             </p14:xfrm>
           </p:contentPart>
         </mc:Choice>
-        <mc:Fallback>
+        <mc:Fallback xmlns="">
           <p:pic>
             <p:nvPicPr>
               <p:cNvPr id="129" name="Freihand 128">
@@ -14978,8 +14978,8 @@
             <a:chExt cx="74880" cy="109800"/>
           </a:xfrm>
         </p:grpSpPr>
-        <mc:AlternateContent xmlns:mc="http://schemas.openxmlformats.org/markup-compatibility/2006">
-          <mc:Choice xmlns:p14="http://schemas.microsoft.com/office/powerpoint/2010/main" Requires="p14">
+        <mc:AlternateContent xmlns:mc="http://schemas.openxmlformats.org/markup-compatibility/2006" xmlns:p14="http://schemas.microsoft.com/office/powerpoint/2010/main">
+          <mc:Choice Requires="p14">
             <p:contentPart p14:bwMode="auto" r:id="rId19">
               <p14:nvContentPartPr>
                 <p14:cNvPr id="131" name="Freihand 130">
@@ -14998,7 +14998,7 @@
               </p14:xfrm>
             </p:contentPart>
           </mc:Choice>
-          <mc:Fallback>
+          <mc:Fallback xmlns="">
             <p:pic>
               <p:nvPicPr>
                 <p:cNvPr id="131" name="Freihand 130">
@@ -15029,8 +15029,8 @@
             </p:pic>
           </mc:Fallback>
         </mc:AlternateContent>
-        <mc:AlternateContent xmlns:mc="http://schemas.openxmlformats.org/markup-compatibility/2006">
-          <mc:Choice xmlns:p14="http://schemas.microsoft.com/office/powerpoint/2010/main" Requires="p14">
+        <mc:AlternateContent xmlns:mc="http://schemas.openxmlformats.org/markup-compatibility/2006" xmlns:p14="http://schemas.microsoft.com/office/powerpoint/2010/main">
+          <mc:Choice Requires="p14">
             <p:contentPart p14:bwMode="auto" r:id="rId21">
               <p14:nvContentPartPr>
                 <p14:cNvPr id="132" name="Freihand 131">
@@ -15049,7 +15049,7 @@
               </p14:xfrm>
             </p:contentPart>
           </mc:Choice>
-          <mc:Fallback>
+          <mc:Fallback xmlns="">
             <p:pic>
               <p:nvPicPr>
                 <p:cNvPr id="132" name="Freihand 131">
@@ -15080,8 +15080,8 @@
             </p:pic>
           </mc:Fallback>
         </mc:AlternateContent>
-        <mc:AlternateContent xmlns:mc="http://schemas.openxmlformats.org/markup-compatibility/2006">
-          <mc:Choice xmlns:p14="http://schemas.microsoft.com/office/powerpoint/2010/main" Requires="p14">
+        <mc:AlternateContent xmlns:mc="http://schemas.openxmlformats.org/markup-compatibility/2006" xmlns:p14="http://schemas.microsoft.com/office/powerpoint/2010/main">
+          <mc:Choice Requires="p14">
             <p:contentPart p14:bwMode="auto" r:id="rId23">
               <p14:nvContentPartPr>
                 <p14:cNvPr id="133" name="Freihand 132">
@@ -15100,7 +15100,7 @@
               </p14:xfrm>
             </p:contentPart>
           </mc:Choice>
-          <mc:Fallback>
+          <mc:Fallback xmlns="">
             <p:pic>
               <p:nvPicPr>
                 <p:cNvPr id="133" name="Freihand 132">
@@ -15132,8 +15132,8 @@
           </mc:Fallback>
         </mc:AlternateContent>
       </p:grpSp>
-      <mc:AlternateContent xmlns:mc="http://schemas.openxmlformats.org/markup-compatibility/2006">
-        <mc:Choice xmlns:p14="http://schemas.microsoft.com/office/powerpoint/2010/main" Requires="p14">
+      <mc:AlternateContent xmlns:mc="http://schemas.openxmlformats.org/markup-compatibility/2006" xmlns:p14="http://schemas.microsoft.com/office/powerpoint/2010/main">
+        <mc:Choice Requires="p14">
           <p:contentPart p14:bwMode="auto" r:id="rId25">
             <p14:nvContentPartPr>
               <p14:cNvPr id="134" name="Freihand 133">
@@ -15152,7 +15152,7 @@
             </p14:xfrm>
           </p:contentPart>
         </mc:Choice>
-        <mc:Fallback>
+        <mc:Fallback xmlns="">
           <p:pic>
             <p:nvPicPr>
               <p:cNvPr id="134" name="Freihand 133">
@@ -15203,8 +15203,8 @@
             <a:chExt cx="62640" cy="141480"/>
           </a:xfrm>
         </p:grpSpPr>
-        <mc:AlternateContent xmlns:mc="http://schemas.openxmlformats.org/markup-compatibility/2006">
-          <mc:Choice xmlns:p14="http://schemas.microsoft.com/office/powerpoint/2010/main" Requires="p14">
+        <mc:AlternateContent xmlns:mc="http://schemas.openxmlformats.org/markup-compatibility/2006" xmlns:p14="http://schemas.microsoft.com/office/powerpoint/2010/main">
+          <mc:Choice Requires="p14">
             <p:contentPart p14:bwMode="auto" r:id="rId27">
               <p14:nvContentPartPr>
                 <p14:cNvPr id="136" name="Freihand 135">
@@ -15223,7 +15223,7 @@
               </p14:xfrm>
             </p:contentPart>
           </mc:Choice>
-          <mc:Fallback>
+          <mc:Fallback xmlns="">
             <p:pic>
               <p:nvPicPr>
                 <p:cNvPr id="136" name="Freihand 135">
@@ -15254,8 +15254,8 @@
             </p:pic>
           </mc:Fallback>
         </mc:AlternateContent>
-        <mc:AlternateContent xmlns:mc="http://schemas.openxmlformats.org/markup-compatibility/2006">
-          <mc:Choice xmlns:p14="http://schemas.microsoft.com/office/powerpoint/2010/main" Requires="p14">
+        <mc:AlternateContent xmlns:mc="http://schemas.openxmlformats.org/markup-compatibility/2006" xmlns:p14="http://schemas.microsoft.com/office/powerpoint/2010/main">
+          <mc:Choice Requires="p14">
             <p:contentPart p14:bwMode="auto" r:id="rId29">
               <p14:nvContentPartPr>
                 <p14:cNvPr id="137" name="Freihand 136">
@@ -15274,7 +15274,7 @@
               </p14:xfrm>
             </p:contentPart>
           </mc:Choice>
-          <mc:Fallback>
+          <mc:Fallback xmlns="">
             <p:pic>
               <p:nvPicPr>
                 <p:cNvPr id="137" name="Freihand 136">
@@ -15305,8 +15305,8 @@
             </p:pic>
           </mc:Fallback>
         </mc:AlternateContent>
-        <mc:AlternateContent xmlns:mc="http://schemas.openxmlformats.org/markup-compatibility/2006">
-          <mc:Choice xmlns:p14="http://schemas.microsoft.com/office/powerpoint/2010/main" Requires="p14">
+        <mc:AlternateContent xmlns:mc="http://schemas.openxmlformats.org/markup-compatibility/2006" xmlns:p14="http://schemas.microsoft.com/office/powerpoint/2010/main">
+          <mc:Choice Requires="p14">
             <p:contentPart p14:bwMode="auto" r:id="rId31">
               <p14:nvContentPartPr>
                 <p14:cNvPr id="138" name="Freihand 137">
@@ -15325,7 +15325,7 @@
               </p14:xfrm>
             </p:contentPart>
           </mc:Choice>
-          <mc:Fallback>
+          <mc:Fallback xmlns="">
             <p:pic>
               <p:nvPicPr>
                 <p:cNvPr id="138" name="Freihand 137">
@@ -15377,8 +15377,8 @@
             <a:chExt cx="86760" cy="136440"/>
           </a:xfrm>
         </p:grpSpPr>
-        <mc:AlternateContent xmlns:mc="http://schemas.openxmlformats.org/markup-compatibility/2006">
-          <mc:Choice xmlns:p14="http://schemas.microsoft.com/office/powerpoint/2010/main" Requires="p14">
+        <mc:AlternateContent xmlns:mc="http://schemas.openxmlformats.org/markup-compatibility/2006" xmlns:p14="http://schemas.microsoft.com/office/powerpoint/2010/main">
+          <mc:Choice Requires="p14">
             <p:contentPart p14:bwMode="auto" r:id="rId33">
               <p14:nvContentPartPr>
                 <p14:cNvPr id="140" name="Freihand 139">
@@ -15397,7 +15397,7 @@
               </p14:xfrm>
             </p:contentPart>
           </mc:Choice>
-          <mc:Fallback>
+          <mc:Fallback xmlns="">
             <p:pic>
               <p:nvPicPr>
                 <p:cNvPr id="140" name="Freihand 139">
@@ -15428,8 +15428,8 @@
             </p:pic>
           </mc:Fallback>
         </mc:AlternateContent>
-        <mc:AlternateContent xmlns:mc="http://schemas.openxmlformats.org/markup-compatibility/2006">
-          <mc:Choice xmlns:p14="http://schemas.microsoft.com/office/powerpoint/2010/main" Requires="p14">
+        <mc:AlternateContent xmlns:mc="http://schemas.openxmlformats.org/markup-compatibility/2006" xmlns:p14="http://schemas.microsoft.com/office/powerpoint/2010/main">
+          <mc:Choice Requires="p14">
             <p:contentPart p14:bwMode="auto" r:id="rId35">
               <p14:nvContentPartPr>
                 <p14:cNvPr id="141" name="Freihand 140">
@@ -15448,7 +15448,7 @@
               </p14:xfrm>
             </p:contentPart>
           </mc:Choice>
-          <mc:Fallback>
+          <mc:Fallback xmlns="">
             <p:pic>
               <p:nvPicPr>
                 <p:cNvPr id="141" name="Freihand 140">
@@ -15480,8 +15480,8 @@
           </mc:Fallback>
         </mc:AlternateContent>
       </p:grpSp>
-      <mc:AlternateContent xmlns:mc="http://schemas.openxmlformats.org/markup-compatibility/2006">
-        <mc:Choice xmlns:p14="http://schemas.microsoft.com/office/powerpoint/2010/main" Requires="p14">
+      <mc:AlternateContent xmlns:mc="http://schemas.openxmlformats.org/markup-compatibility/2006" xmlns:p14="http://schemas.microsoft.com/office/powerpoint/2010/main">
+        <mc:Choice Requires="p14">
           <p:contentPart p14:bwMode="auto" r:id="rId37">
             <p14:nvContentPartPr>
               <p14:cNvPr id="142" name="Freihand 141">
@@ -15500,7 +15500,7 @@
             </p14:xfrm>
           </p:contentPart>
         </mc:Choice>
-        <mc:Fallback>
+        <mc:Fallback xmlns="">
           <p:pic>
             <p:nvPicPr>
               <p:cNvPr id="142" name="Freihand 141">
@@ -15551,8 +15551,8 @@
             <a:chExt cx="60120" cy="123120"/>
           </a:xfrm>
         </p:grpSpPr>
-        <mc:AlternateContent xmlns:mc="http://schemas.openxmlformats.org/markup-compatibility/2006">
-          <mc:Choice xmlns:p14="http://schemas.microsoft.com/office/powerpoint/2010/main" Requires="p14">
+        <mc:AlternateContent xmlns:mc="http://schemas.openxmlformats.org/markup-compatibility/2006" xmlns:p14="http://schemas.microsoft.com/office/powerpoint/2010/main">
+          <mc:Choice Requires="p14">
             <p:contentPart p14:bwMode="auto" r:id="rId39">
               <p14:nvContentPartPr>
                 <p14:cNvPr id="144" name="Freihand 143">
@@ -15571,7 +15571,7 @@
               </p14:xfrm>
             </p:contentPart>
           </mc:Choice>
-          <mc:Fallback>
+          <mc:Fallback xmlns="">
             <p:pic>
               <p:nvPicPr>
                 <p:cNvPr id="144" name="Freihand 143">
@@ -15602,8 +15602,8 @@
             </p:pic>
           </mc:Fallback>
         </mc:AlternateContent>
-        <mc:AlternateContent xmlns:mc="http://schemas.openxmlformats.org/markup-compatibility/2006">
-          <mc:Choice xmlns:p14="http://schemas.microsoft.com/office/powerpoint/2010/main" Requires="p14">
+        <mc:AlternateContent xmlns:mc="http://schemas.openxmlformats.org/markup-compatibility/2006" xmlns:p14="http://schemas.microsoft.com/office/powerpoint/2010/main">
+          <mc:Choice Requires="p14">
             <p:contentPart p14:bwMode="auto" r:id="rId41">
               <p14:nvContentPartPr>
                 <p14:cNvPr id="145" name="Freihand 144">
@@ -15622,7 +15622,7 @@
               </p14:xfrm>
             </p:contentPart>
           </mc:Choice>
-          <mc:Fallback>
+          <mc:Fallback xmlns="">
             <p:pic>
               <p:nvPicPr>
                 <p:cNvPr id="145" name="Freihand 144">
@@ -15654,8 +15654,8 @@
           </mc:Fallback>
         </mc:AlternateContent>
       </p:grpSp>
-      <mc:AlternateContent xmlns:mc="http://schemas.openxmlformats.org/markup-compatibility/2006">
-        <mc:Choice xmlns:p14="http://schemas.microsoft.com/office/powerpoint/2010/main" Requires="p14">
+      <mc:AlternateContent xmlns:mc="http://schemas.openxmlformats.org/markup-compatibility/2006" xmlns:p14="http://schemas.microsoft.com/office/powerpoint/2010/main">
+        <mc:Choice Requires="p14">
           <p:contentPart p14:bwMode="auto" r:id="rId43">
             <p14:nvContentPartPr>
               <p14:cNvPr id="146" name="Freihand 145">
@@ -15674,7 +15674,7 @@
             </p14:xfrm>
           </p:contentPart>
         </mc:Choice>
-        <mc:Fallback>
+        <mc:Fallback xmlns="">
           <p:pic>
             <p:nvPicPr>
               <p:cNvPr id="146" name="Freihand 145">
@@ -15705,8 +15705,8 @@
           </p:pic>
         </mc:Fallback>
       </mc:AlternateContent>
-      <mc:AlternateContent xmlns:mc="http://schemas.openxmlformats.org/markup-compatibility/2006">
-        <mc:Choice xmlns:p14="http://schemas.microsoft.com/office/powerpoint/2010/main" Requires="p14">
+      <mc:AlternateContent xmlns:mc="http://schemas.openxmlformats.org/markup-compatibility/2006" xmlns:p14="http://schemas.microsoft.com/office/powerpoint/2010/main">
+        <mc:Choice Requires="p14">
           <p:contentPart p14:bwMode="auto" r:id="rId45">
             <p14:nvContentPartPr>
               <p14:cNvPr id="147" name="Freihand 146">
@@ -15725,7 +15725,7 @@
             </p14:xfrm>
           </p:contentPart>
         </mc:Choice>
-        <mc:Fallback>
+        <mc:Fallback xmlns="">
           <p:pic>
             <p:nvPicPr>
               <p:cNvPr id="147" name="Freihand 146">
@@ -15776,8 +15776,8 @@
             <a:chExt cx="150840" cy="97560"/>
           </a:xfrm>
         </p:grpSpPr>
-        <mc:AlternateContent xmlns:mc="http://schemas.openxmlformats.org/markup-compatibility/2006">
-          <mc:Choice xmlns:p14="http://schemas.microsoft.com/office/powerpoint/2010/main" Requires="p14">
+        <mc:AlternateContent xmlns:mc="http://schemas.openxmlformats.org/markup-compatibility/2006" xmlns:p14="http://schemas.microsoft.com/office/powerpoint/2010/main">
+          <mc:Choice Requires="p14">
             <p:contentPart p14:bwMode="auto" r:id="rId47">
               <p14:nvContentPartPr>
                 <p14:cNvPr id="149" name="Freihand 148">
@@ -15796,7 +15796,7 @@
               </p14:xfrm>
             </p:contentPart>
           </mc:Choice>
-          <mc:Fallback>
+          <mc:Fallback xmlns="">
             <p:pic>
               <p:nvPicPr>
                 <p:cNvPr id="149" name="Freihand 148">
@@ -15827,8 +15827,8 @@
             </p:pic>
           </mc:Fallback>
         </mc:AlternateContent>
-        <mc:AlternateContent xmlns:mc="http://schemas.openxmlformats.org/markup-compatibility/2006">
-          <mc:Choice xmlns:p14="http://schemas.microsoft.com/office/powerpoint/2010/main" Requires="p14">
+        <mc:AlternateContent xmlns:mc="http://schemas.openxmlformats.org/markup-compatibility/2006" xmlns:p14="http://schemas.microsoft.com/office/powerpoint/2010/main">
+          <mc:Choice Requires="p14">
             <p:contentPart p14:bwMode="auto" r:id="rId49">
               <p14:nvContentPartPr>
                 <p14:cNvPr id="150" name="Freihand 149">
@@ -15847,7 +15847,7 @@
               </p14:xfrm>
             </p:contentPart>
           </mc:Choice>
-          <mc:Fallback>
+          <mc:Fallback xmlns="">
             <p:pic>
               <p:nvPicPr>
                 <p:cNvPr id="150" name="Freihand 149">
@@ -15879,8 +15879,8 @@
           </mc:Fallback>
         </mc:AlternateContent>
       </p:grpSp>
-      <mc:AlternateContent xmlns:mc="http://schemas.openxmlformats.org/markup-compatibility/2006">
-        <mc:Choice xmlns:p14="http://schemas.microsoft.com/office/powerpoint/2010/main" Requires="p14">
+      <mc:AlternateContent xmlns:mc="http://schemas.openxmlformats.org/markup-compatibility/2006" xmlns:p14="http://schemas.microsoft.com/office/powerpoint/2010/main">
+        <mc:Choice Requires="p14">
           <p:contentPart p14:bwMode="auto" r:id="rId51">
             <p14:nvContentPartPr>
               <p14:cNvPr id="151" name="Freihand 150">
@@ -15899,7 +15899,7 @@
             </p14:xfrm>
           </p:contentPart>
         </mc:Choice>
-        <mc:Fallback>
+        <mc:Fallback xmlns="">
           <p:pic>
             <p:nvPicPr>
               <p:cNvPr id="151" name="Freihand 150">
